--- a/Overview.pptx
+++ b/Overview.pptx
@@ -125,6 +125,11 @@
       </a:defRPr>
     </a:lvl9pPr>
   </p:defaultTextStyle>
+  <p:extLst>
+    <p:ext uri="{EFAFB233-063F-42B5-8137-9DF3F51BA10A}">
+      <p15:sldGuideLst xmlns:p15="http://schemas.microsoft.com/office/powerpoint/2012/main"/>
+    </p:ext>
+  </p:extLst>
 </p:presentation>
 </file>
 
@@ -277,7 +282,7 @@
           <a:p>
             <a:fld id="{04AB56BA-D2BE-4C22-AF9A-47C87D4F9701}" type="datetimeFigureOut">
               <a:rPr lang="en-GB" smtClean="0"/>
-              <a:t>02/10/2019</a:t>
+              <a:t>03/10/2019</a:t>
             </a:fld>
             <a:endParaRPr lang="en-GB"/>
           </a:p>
@@ -477,7 +482,7 @@
           <a:p>
             <a:fld id="{04AB56BA-D2BE-4C22-AF9A-47C87D4F9701}" type="datetimeFigureOut">
               <a:rPr lang="en-GB" smtClean="0"/>
-              <a:t>02/10/2019</a:t>
+              <a:t>03/10/2019</a:t>
             </a:fld>
             <a:endParaRPr lang="en-GB"/>
           </a:p>
@@ -687,7 +692,7 @@
           <a:p>
             <a:fld id="{04AB56BA-D2BE-4C22-AF9A-47C87D4F9701}" type="datetimeFigureOut">
               <a:rPr lang="en-GB" smtClean="0"/>
-              <a:t>02/10/2019</a:t>
+              <a:t>03/10/2019</a:t>
             </a:fld>
             <a:endParaRPr lang="en-GB"/>
           </a:p>
@@ -887,7 +892,7 @@
           <a:p>
             <a:fld id="{04AB56BA-D2BE-4C22-AF9A-47C87D4F9701}" type="datetimeFigureOut">
               <a:rPr lang="en-GB" smtClean="0"/>
-              <a:t>02/10/2019</a:t>
+              <a:t>03/10/2019</a:t>
             </a:fld>
             <a:endParaRPr lang="en-GB"/>
           </a:p>
@@ -1163,7 +1168,7 @@
           <a:p>
             <a:fld id="{04AB56BA-D2BE-4C22-AF9A-47C87D4F9701}" type="datetimeFigureOut">
               <a:rPr lang="en-GB" smtClean="0"/>
-              <a:t>02/10/2019</a:t>
+              <a:t>03/10/2019</a:t>
             </a:fld>
             <a:endParaRPr lang="en-GB"/>
           </a:p>
@@ -1431,7 +1436,7 @@
           <a:p>
             <a:fld id="{04AB56BA-D2BE-4C22-AF9A-47C87D4F9701}" type="datetimeFigureOut">
               <a:rPr lang="en-GB" smtClean="0"/>
-              <a:t>02/10/2019</a:t>
+              <a:t>03/10/2019</a:t>
             </a:fld>
             <a:endParaRPr lang="en-GB"/>
           </a:p>
@@ -1846,7 +1851,7 @@
           <a:p>
             <a:fld id="{04AB56BA-D2BE-4C22-AF9A-47C87D4F9701}" type="datetimeFigureOut">
               <a:rPr lang="en-GB" smtClean="0"/>
-              <a:t>02/10/2019</a:t>
+              <a:t>03/10/2019</a:t>
             </a:fld>
             <a:endParaRPr lang="en-GB"/>
           </a:p>
@@ -1988,7 +1993,7 @@
           <a:p>
             <a:fld id="{04AB56BA-D2BE-4C22-AF9A-47C87D4F9701}" type="datetimeFigureOut">
               <a:rPr lang="en-GB" smtClean="0"/>
-              <a:t>02/10/2019</a:t>
+              <a:t>03/10/2019</a:t>
             </a:fld>
             <a:endParaRPr lang="en-GB"/>
           </a:p>
@@ -2101,7 +2106,7 @@
           <a:p>
             <a:fld id="{04AB56BA-D2BE-4C22-AF9A-47C87D4F9701}" type="datetimeFigureOut">
               <a:rPr lang="en-GB" smtClean="0"/>
-              <a:t>02/10/2019</a:t>
+              <a:t>03/10/2019</a:t>
             </a:fld>
             <a:endParaRPr lang="en-GB"/>
           </a:p>
@@ -2414,7 +2419,7 @@
           <a:p>
             <a:fld id="{04AB56BA-D2BE-4C22-AF9A-47C87D4F9701}" type="datetimeFigureOut">
               <a:rPr lang="en-GB" smtClean="0"/>
-              <a:t>02/10/2019</a:t>
+              <a:t>03/10/2019</a:t>
             </a:fld>
             <a:endParaRPr lang="en-GB"/>
           </a:p>
@@ -2703,7 +2708,7 @@
           <a:p>
             <a:fld id="{04AB56BA-D2BE-4C22-AF9A-47C87D4F9701}" type="datetimeFigureOut">
               <a:rPr lang="en-GB" smtClean="0"/>
-              <a:t>02/10/2019</a:t>
+              <a:t>03/10/2019</a:t>
             </a:fld>
             <a:endParaRPr lang="en-GB"/>
           </a:p>
@@ -2946,7 +2951,7 @@
           <a:p>
             <a:fld id="{04AB56BA-D2BE-4C22-AF9A-47C87D4F9701}" type="datetimeFigureOut">
               <a:rPr lang="en-GB" smtClean="0"/>
-              <a:t>02/10/2019</a:t>
+              <a:t>03/10/2019</a:t>
             </a:fld>
             <a:endParaRPr lang="en-GB"/>
           </a:p>
@@ -3675,6 +3680,18 @@
   <p:clrMapOvr>
     <a:masterClrMapping/>
   </p:clrMapOvr>
+  <mc:AlternateContent xmlns:mc="http://schemas.openxmlformats.org/markup-compatibility/2006" xmlns:p14="http://schemas.microsoft.com/office/powerpoint/2010/main">
+    <mc:Choice Requires="p14">
+      <p:transition spd="med" p14:dur="700">
+        <p:fade/>
+      </p:transition>
+    </mc:Choice>
+    <mc:Fallback xmlns="">
+      <p:transition spd="med">
+        <p:fade/>
+      </p:transition>
+    </mc:Fallback>
+  </mc:AlternateContent>
 </p:sld>
 </file>
 
@@ -3871,6 +3888,18 @@
   <p:clrMapOvr>
     <a:masterClrMapping/>
   </p:clrMapOvr>
+  <mc:AlternateContent xmlns:mc="http://schemas.openxmlformats.org/markup-compatibility/2006" xmlns:p14="http://schemas.microsoft.com/office/powerpoint/2010/main">
+    <mc:Choice Requires="p14">
+      <p:transition spd="med" p14:dur="700">
+        <p:fade/>
+      </p:transition>
+    </mc:Choice>
+    <mc:Fallback xmlns="">
+      <p:transition spd="med">
+        <p:fade/>
+      </p:transition>
+    </mc:Fallback>
+  </mc:AlternateContent>
 </p:sld>
 </file>
 
@@ -4293,6 +4322,18 @@
   <p:clrMapOvr>
     <a:masterClrMapping/>
   </p:clrMapOvr>
+  <mc:AlternateContent xmlns:mc="http://schemas.openxmlformats.org/markup-compatibility/2006" xmlns:p14="http://schemas.microsoft.com/office/powerpoint/2010/main">
+    <mc:Choice Requires="p14">
+      <p:transition spd="med" p14:dur="700">
+        <p:fade/>
+      </p:transition>
+    </mc:Choice>
+    <mc:Fallback xmlns="">
+      <p:transition spd="med">
+        <p:fade/>
+      </p:transition>
+    </mc:Fallback>
+  </mc:AlternateContent>
 </p:sld>
 </file>
 
@@ -5012,6 +5053,18 @@
   <p:clrMapOvr>
     <a:masterClrMapping/>
   </p:clrMapOvr>
+  <mc:AlternateContent xmlns:mc="http://schemas.openxmlformats.org/markup-compatibility/2006" xmlns:p14="http://schemas.microsoft.com/office/powerpoint/2010/main">
+    <mc:Choice Requires="p14">
+      <p:transition spd="med" p14:dur="700">
+        <p:fade/>
+      </p:transition>
+    </mc:Choice>
+    <mc:Fallback xmlns="">
+      <p:transition spd="med">
+        <p:fade/>
+      </p:transition>
+    </mc:Fallback>
+  </mc:AlternateContent>
 </p:sld>
 </file>
 
@@ -5933,6 +5986,18 @@
   <p:clrMapOvr>
     <a:masterClrMapping/>
   </p:clrMapOvr>
+  <mc:AlternateContent xmlns:mc="http://schemas.openxmlformats.org/markup-compatibility/2006" xmlns:p14="http://schemas.microsoft.com/office/powerpoint/2010/main">
+    <mc:Choice Requires="p14">
+      <p:transition spd="med" p14:dur="700">
+        <p:fade/>
+      </p:transition>
+    </mc:Choice>
+    <mc:Fallback xmlns="">
+      <p:transition spd="med">
+        <p:fade/>
+      </p:transition>
+    </mc:Fallback>
+  </mc:AlternateContent>
 </p:sld>
 </file>
 
@@ -7029,6 +7094,18 @@
   <p:clrMapOvr>
     <a:masterClrMapping/>
   </p:clrMapOvr>
+  <mc:AlternateContent xmlns:mc="http://schemas.openxmlformats.org/markup-compatibility/2006" xmlns:p14="http://schemas.microsoft.com/office/powerpoint/2010/main">
+    <mc:Choice Requires="p14">
+      <p:transition spd="med" p14:dur="700">
+        <p:fade/>
+      </p:transition>
+    </mc:Choice>
+    <mc:Fallback xmlns="">
+      <p:transition spd="med">
+        <p:fade/>
+      </p:transition>
+    </mc:Fallback>
+  </mc:AlternateContent>
 </p:sld>
 </file>
 
@@ -8228,6 +8305,18 @@
   <p:clrMapOvr>
     <a:masterClrMapping/>
   </p:clrMapOvr>
+  <mc:AlternateContent xmlns:mc="http://schemas.openxmlformats.org/markup-compatibility/2006" xmlns:p14="http://schemas.microsoft.com/office/powerpoint/2010/main">
+    <mc:Choice Requires="p14">
+      <p:transition spd="med" p14:dur="700">
+        <p:fade/>
+      </p:transition>
+    </mc:Choice>
+    <mc:Fallback xmlns="">
+      <p:transition spd="med">
+        <p:fade/>
+      </p:transition>
+    </mc:Fallback>
+  </mc:AlternateContent>
 </p:sld>
 </file>
 
@@ -9530,6 +9619,18 @@
   <p:clrMapOvr>
     <a:masterClrMapping/>
   </p:clrMapOvr>
+  <mc:AlternateContent xmlns:mc="http://schemas.openxmlformats.org/markup-compatibility/2006" xmlns:p14="http://schemas.microsoft.com/office/powerpoint/2010/main">
+    <mc:Choice Requires="p14">
+      <p:transition spd="med" p14:dur="700">
+        <p:fade/>
+      </p:transition>
+    </mc:Choice>
+    <mc:Fallback xmlns="">
+      <p:transition spd="med">
+        <p:fade/>
+      </p:transition>
+    </mc:Fallback>
+  </mc:AlternateContent>
 </p:sld>
 </file>
 
@@ -9669,6 +9770,18 @@
   <p:clrMapOvr>
     <a:masterClrMapping/>
   </p:clrMapOvr>
+  <mc:AlternateContent xmlns:mc="http://schemas.openxmlformats.org/markup-compatibility/2006" xmlns:p14="http://schemas.microsoft.com/office/powerpoint/2010/main">
+    <mc:Choice Requires="p14">
+      <p:transition spd="med" p14:dur="700">
+        <p:fade/>
+      </p:transition>
+    </mc:Choice>
+    <mc:Fallback xmlns="">
+      <p:transition spd="med">
+        <p:fade/>
+      </p:transition>
+    </mc:Fallback>
+  </mc:AlternateContent>
 </p:sld>
 </file>
 
@@ -9775,6 +9888,18 @@
   <p:clrMapOvr>
     <a:masterClrMapping/>
   </p:clrMapOvr>
+  <mc:AlternateContent xmlns:mc="http://schemas.openxmlformats.org/markup-compatibility/2006" xmlns:p14="http://schemas.microsoft.com/office/powerpoint/2010/main">
+    <mc:Choice Requires="p14">
+      <p:transition spd="med" p14:dur="700">
+        <p:fade/>
+      </p:transition>
+    </mc:Choice>
+    <mc:Fallback xmlns="">
+      <p:transition spd="med">
+        <p:fade/>
+      </p:transition>
+    </mc:Fallback>
+  </mc:AlternateContent>
 </p:sld>
 </file>
 
@@ -9908,6 +10033,18 @@
   <p:clrMapOvr>
     <a:masterClrMapping/>
   </p:clrMapOvr>
+  <mc:AlternateContent xmlns:mc="http://schemas.openxmlformats.org/markup-compatibility/2006" xmlns:p14="http://schemas.microsoft.com/office/powerpoint/2010/main">
+    <mc:Choice Requires="p14">
+      <p:transition spd="med" p14:dur="700">
+        <p:fade/>
+      </p:transition>
+    </mc:Choice>
+    <mc:Fallback xmlns="">
+      <p:transition spd="med">
+        <p:fade/>
+      </p:transition>
+    </mc:Fallback>
+  </mc:AlternateContent>
 </p:sld>
 </file>
 
@@ -10135,6 +10272,18 @@
   <p:clrMapOvr>
     <a:masterClrMapping/>
   </p:clrMapOvr>
+  <mc:AlternateContent xmlns:mc="http://schemas.openxmlformats.org/markup-compatibility/2006" xmlns:p14="http://schemas.microsoft.com/office/powerpoint/2010/main">
+    <mc:Choice Requires="p14">
+      <p:transition spd="med" p14:dur="700">
+        <p:fade/>
+      </p:transition>
+    </mc:Choice>
+    <mc:Fallback xmlns="">
+      <p:transition spd="med">
+        <p:fade/>
+      </p:transition>
+    </mc:Fallback>
+  </mc:AlternateContent>
 </p:sld>
 </file>
 
@@ -10326,6 +10475,18 @@
   <p:clrMapOvr>
     <a:masterClrMapping/>
   </p:clrMapOvr>
+  <mc:AlternateContent xmlns:mc="http://schemas.openxmlformats.org/markup-compatibility/2006" xmlns:p14="http://schemas.microsoft.com/office/powerpoint/2010/main">
+    <mc:Choice Requires="p14">
+      <p:transition spd="med" p14:dur="700">
+        <p:fade/>
+      </p:transition>
+    </mc:Choice>
+    <mc:Fallback xmlns="">
+      <p:transition spd="med">
+        <p:fade/>
+      </p:transition>
+    </mc:Fallback>
+  </mc:AlternateContent>
 </p:sld>
 </file>
 
@@ -10448,6 +10609,18 @@
   <p:clrMapOvr>
     <a:masterClrMapping/>
   </p:clrMapOvr>
+  <mc:AlternateContent xmlns:mc="http://schemas.openxmlformats.org/markup-compatibility/2006" xmlns:p14="http://schemas.microsoft.com/office/powerpoint/2010/main">
+    <mc:Choice Requires="p14">
+      <p:transition spd="med" p14:dur="700">
+        <p:fade/>
+      </p:transition>
+    </mc:Choice>
+    <mc:Fallback xmlns="">
+      <p:transition spd="med">
+        <p:fade/>
+      </p:transition>
+    </mc:Fallback>
+  </mc:AlternateContent>
 </p:sld>
 </file>
 
@@ -10581,6 +10754,18 @@
   <p:clrMapOvr>
     <a:masterClrMapping/>
   </p:clrMapOvr>
+  <mc:AlternateContent xmlns:mc="http://schemas.openxmlformats.org/markup-compatibility/2006" xmlns:p14="http://schemas.microsoft.com/office/powerpoint/2010/main">
+    <mc:Choice Requires="p14">
+      <p:transition spd="med" p14:dur="700">
+        <p:fade/>
+      </p:transition>
+    </mc:Choice>
+    <mc:Fallback xmlns="">
+      <p:transition spd="med">
+        <p:fade/>
+      </p:transition>
+    </mc:Fallback>
+  </mc:AlternateContent>
 </p:sld>
 </file>
 
@@ -10760,6 +10945,18 @@
   <p:clrMapOvr>
     <a:masterClrMapping/>
   </p:clrMapOvr>
+  <mc:AlternateContent xmlns:mc="http://schemas.openxmlformats.org/markup-compatibility/2006" xmlns:p14="http://schemas.microsoft.com/office/powerpoint/2010/main">
+    <mc:Choice Requires="p14">
+      <p:transition spd="med" p14:dur="700">
+        <p:fade/>
+      </p:transition>
+    </mc:Choice>
+    <mc:Fallback xmlns="">
+      <p:transition spd="med">
+        <p:fade/>
+      </p:transition>
+    </mc:Fallback>
+  </mc:AlternateContent>
 </p:sld>
 </file>
 
@@ -10902,6 +11099,18 @@
   <p:clrMapOvr>
     <a:masterClrMapping/>
   </p:clrMapOvr>
+  <mc:AlternateContent xmlns:mc="http://schemas.openxmlformats.org/markup-compatibility/2006" xmlns:p14="http://schemas.microsoft.com/office/powerpoint/2010/main">
+    <mc:Choice Requires="p14">
+      <p:transition spd="med" p14:dur="700">
+        <p:fade/>
+      </p:transition>
+    </mc:Choice>
+    <mc:Fallback xmlns="">
+      <p:transition spd="med">
+        <p:fade/>
+      </p:transition>
+    </mc:Fallback>
+  </mc:AlternateContent>
 </p:sld>
 </file>
 
@@ -11101,6 +11310,18 @@
   <p:clrMapOvr>
     <a:masterClrMapping/>
   </p:clrMapOvr>
+  <mc:AlternateContent xmlns:mc="http://schemas.openxmlformats.org/markup-compatibility/2006" xmlns:p14="http://schemas.microsoft.com/office/powerpoint/2010/main">
+    <mc:Choice Requires="p14">
+      <p:transition spd="med" p14:dur="700">
+        <p:fade/>
+      </p:transition>
+    </mc:Choice>
+    <mc:Fallback xmlns="">
+      <p:transition spd="med">
+        <p:fade/>
+      </p:transition>
+    </mc:Fallback>
+  </mc:AlternateContent>
 </p:sld>
 </file>
 
@@ -11237,6 +11458,18 @@
   <p:clrMapOvr>
     <a:masterClrMapping/>
   </p:clrMapOvr>
+  <mc:AlternateContent xmlns:mc="http://schemas.openxmlformats.org/markup-compatibility/2006" xmlns:p14="http://schemas.microsoft.com/office/powerpoint/2010/main">
+    <mc:Choice Requires="p14">
+      <p:transition spd="med" p14:dur="700">
+        <p:fade/>
+      </p:transition>
+    </mc:Choice>
+    <mc:Fallback xmlns="">
+      <p:transition spd="med">
+        <p:fade/>
+      </p:transition>
+    </mc:Fallback>
+  </mc:AlternateContent>
 </p:sld>
 </file>
 
@@ -11364,6 +11597,18 @@
   <p:clrMapOvr>
     <a:masterClrMapping/>
   </p:clrMapOvr>
+  <mc:AlternateContent xmlns:mc="http://schemas.openxmlformats.org/markup-compatibility/2006" xmlns:p14="http://schemas.microsoft.com/office/powerpoint/2010/main">
+    <mc:Choice Requires="p14">
+      <p:transition spd="med" p14:dur="700">
+        <p:fade/>
+      </p:transition>
+    </mc:Choice>
+    <mc:Fallback xmlns="">
+      <p:transition spd="med">
+        <p:fade/>
+      </p:transition>
+    </mc:Fallback>
+  </mc:AlternateContent>
 </p:sld>
 </file>
 
@@ -11500,6 +11745,18 @@
   <p:clrMapOvr>
     <a:masterClrMapping/>
   </p:clrMapOvr>
+  <mc:AlternateContent xmlns:mc="http://schemas.openxmlformats.org/markup-compatibility/2006" xmlns:p14="http://schemas.microsoft.com/office/powerpoint/2010/main">
+    <mc:Choice Requires="p14">
+      <p:transition spd="med" p14:dur="700">
+        <p:fade/>
+      </p:transition>
+    </mc:Choice>
+    <mc:Fallback xmlns="">
+      <p:transition spd="med">
+        <p:fade/>
+      </p:transition>
+    </mc:Fallback>
+  </mc:AlternateContent>
 </p:sld>
 </file>
 
@@ -11627,6 +11884,18 @@
   <p:clrMapOvr>
     <a:masterClrMapping/>
   </p:clrMapOvr>
+  <mc:AlternateContent xmlns:mc="http://schemas.openxmlformats.org/markup-compatibility/2006" xmlns:p14="http://schemas.microsoft.com/office/powerpoint/2010/main">
+    <mc:Choice Requires="p14">
+      <p:transition spd="med" p14:dur="700">
+        <p:fade/>
+      </p:transition>
+    </mc:Choice>
+    <mc:Fallback xmlns="">
+      <p:transition spd="med">
+        <p:fade/>
+      </p:transition>
+    </mc:Fallback>
+  </mc:AlternateContent>
 </p:sld>
 </file>
 
